--- a/Présentation IN104.pptx
+++ b/Présentation IN104.pptx
@@ -5,13 +5,15 @@
     <p:sldMasterId id="2147483714" r:id="rId1"/>
   </p:sldMasterIdLst>
   <p:notesMasterIdLst>
-    <p:notesMasterId r:id="rId6"/>
+    <p:notesMasterId r:id="rId8"/>
   </p:notesMasterIdLst>
   <p:sldIdLst>
     <p:sldId id="256" r:id="rId2"/>
     <p:sldId id="257" r:id="rId3"/>
     <p:sldId id="258" r:id="rId4"/>
     <p:sldId id="259" r:id="rId5"/>
+    <p:sldId id="260" r:id="rId6"/>
+    <p:sldId id="261" r:id="rId7"/>
   </p:sldIdLst>
   <p:sldSz cx="12192000" cy="6858000"/>
   <p:notesSz cx="6858000" cy="9144000"/>
@@ -110,6 +112,11 @@
       </a:defRPr>
     </a:lvl9pPr>
   </p:defaultTextStyle>
+  <p:extLst>
+    <p:ext uri="{EFAFB233-063F-42B5-8137-9DF3F51BA10A}">
+      <p15:sldGuideLst xmlns:p15="http://schemas.microsoft.com/office/powerpoint/2012/main"/>
+    </p:ext>
+  </p:extLst>
 </p:presentation>
 </file>
 
@@ -221,7 +228,7 @@
           <a:p>
             <a:fld id="{B679ADC5-7B2C-4A32-BE76-483B38831446}" type="datetimeFigureOut">
               <a:rPr lang="fr-FR" smtClean="0"/>
-              <a:t>20/08/2022</a:t>
+              <a:t>22/08/2022</a:t>
             </a:fld>
             <a:endParaRPr lang="fr-FR"/>
           </a:p>
@@ -659,7 +666,7 @@
           <a:p>
             <a:fld id="{319449B6-8021-4365-8B1D-1654FC81241E}" type="datetime1">
               <a:rPr lang="fr-FR" smtClean="0"/>
-              <a:t>20/08/2022</a:t>
+              <a:t>22/08/2022</a:t>
             </a:fld>
             <a:endParaRPr lang="fr-FR"/>
           </a:p>
@@ -974,7 +981,7 @@
           <a:p>
             <a:fld id="{78826C96-7BC7-4626-9CDA-3B197E510B03}" type="datetime1">
               <a:rPr lang="fr-FR" smtClean="0"/>
-              <a:t>20/08/2022</a:t>
+              <a:t>22/08/2022</a:t>
             </a:fld>
             <a:endParaRPr lang="fr-FR"/>
           </a:p>
@@ -1196,7 +1203,7 @@
           <a:p>
             <a:fld id="{C5D4F3F2-898D-4FA3-A0E3-755CCB3080AA}" type="datetime1">
               <a:rPr lang="fr-FR" smtClean="0"/>
-              <a:t>20/08/2022</a:t>
+              <a:t>22/08/2022</a:t>
             </a:fld>
             <a:endParaRPr lang="fr-FR"/>
           </a:p>
@@ -1487,7 +1494,7 @@
           <a:p>
             <a:fld id="{DF594D5A-6D24-4F65-81F2-0F9509D59A47}" type="datetime1">
               <a:rPr lang="fr-FR" smtClean="0"/>
-              <a:t>20/08/2022</a:t>
+              <a:t>22/08/2022</a:t>
             </a:fld>
             <a:endParaRPr lang="fr-FR"/>
           </a:p>
@@ -1941,7 +1948,7 @@
           <a:p>
             <a:fld id="{921CE503-425D-41E3-A6D1-B513826EE667}" type="datetime1">
               <a:rPr lang="fr-FR" smtClean="0"/>
-              <a:t>20/08/2022</a:t>
+              <a:t>22/08/2022</a:t>
             </a:fld>
             <a:endParaRPr lang="fr-FR"/>
           </a:p>
@@ -2517,7 +2524,7 @@
           <a:p>
             <a:fld id="{015B8A47-15E4-47FC-B637-B960635140E2}" type="datetime1">
               <a:rPr lang="fr-FR" smtClean="0"/>
-              <a:t>20/08/2022</a:t>
+              <a:t>22/08/2022</a:t>
             </a:fld>
             <a:endParaRPr lang="fr-FR"/>
           </a:p>
@@ -3378,7 +3385,7 @@
           <a:p>
             <a:fld id="{FF2F7C6F-6F5C-4A6A-9BD6-39B915F25F01}" type="datetime1">
               <a:rPr lang="fr-FR" smtClean="0"/>
-              <a:t>20/08/2022</a:t>
+              <a:t>22/08/2022</a:t>
             </a:fld>
             <a:endParaRPr lang="fr-FR"/>
           </a:p>
@@ -3583,7 +3590,7 @@
           <a:p>
             <a:fld id="{279F8AB9-243A-4E37-870A-A003D741C369}" type="datetime1">
               <a:rPr lang="fr-FR" smtClean="0"/>
-              <a:t>20/08/2022</a:t>
+              <a:t>22/08/2022</a:t>
             </a:fld>
             <a:endParaRPr lang="fr-FR"/>
           </a:p>
@@ -3797,7 +3804,7 @@
           <a:p>
             <a:fld id="{D8D3E0F3-243E-4598-BF1C-EBA4E6890C5F}" type="datetime1">
               <a:rPr lang="fr-FR" smtClean="0"/>
-              <a:t>20/08/2022</a:t>
+              <a:t>22/08/2022</a:t>
             </a:fld>
             <a:endParaRPr lang="fr-FR"/>
           </a:p>
@@ -4002,7 +4009,7 @@
           <a:p>
             <a:fld id="{1F6ACD7A-D9C1-41B9-9B20-D274B3BB67A0}" type="datetime1">
               <a:rPr lang="fr-FR" smtClean="0"/>
-              <a:t>20/08/2022</a:t>
+              <a:t>22/08/2022</a:t>
             </a:fld>
             <a:endParaRPr lang="fr-FR"/>
           </a:p>
@@ -4282,7 +4289,7 @@
           <a:p>
             <a:fld id="{2CB7C692-6131-4C42-A7EE-DB70A3C7CEE1}" type="datetime1">
               <a:rPr lang="fr-FR" smtClean="0"/>
-              <a:t>20/08/2022</a:t>
+              <a:t>22/08/2022</a:t>
             </a:fld>
             <a:endParaRPr lang="fr-FR"/>
           </a:p>
@@ -4549,7 +4556,7 @@
           <a:p>
             <a:fld id="{938D00D2-286B-483B-A4FF-62816404DF52}" type="datetime1">
               <a:rPr lang="fr-FR" smtClean="0"/>
-              <a:t>20/08/2022</a:t>
+              <a:t>22/08/2022</a:t>
             </a:fld>
             <a:endParaRPr lang="fr-FR"/>
           </a:p>
@@ -4964,7 +4971,7 @@
           <a:p>
             <a:fld id="{0743D173-39A6-43F4-9C0D-3FCC70304825}" type="datetime1">
               <a:rPr lang="fr-FR" smtClean="0"/>
-              <a:t>20/08/2022</a:t>
+              <a:t>22/08/2022</a:t>
             </a:fld>
             <a:endParaRPr lang="fr-FR"/>
           </a:p>
@@ -5112,7 +5119,7 @@
           <a:p>
             <a:fld id="{CDC5683E-CE8D-4EF9-94B0-5CBCEAB31EB2}" type="datetime1">
               <a:rPr lang="fr-FR" smtClean="0"/>
-              <a:t>20/08/2022</a:t>
+              <a:t>22/08/2022</a:t>
             </a:fld>
             <a:endParaRPr lang="fr-FR"/>
           </a:p>
@@ -5237,7 +5244,7 @@
           <a:p>
             <a:fld id="{7CCC3E9F-37B1-47EB-BE9A-44C369869B1A}" type="datetime1">
               <a:rPr lang="fr-FR" smtClean="0"/>
-              <a:t>20/08/2022</a:t>
+              <a:t>22/08/2022</a:t>
             </a:fld>
             <a:endParaRPr lang="fr-FR"/>
           </a:p>
@@ -5516,7 +5523,7 @@
           <a:p>
             <a:fld id="{A57437C0-DA47-4F4B-89A2-DBF051B12868}" type="datetime1">
               <a:rPr lang="fr-FR" smtClean="0"/>
-              <a:t>20/08/2022</a:t>
+              <a:t>22/08/2022</a:t>
             </a:fld>
             <a:endParaRPr lang="fr-FR"/>
           </a:p>
@@ -5831,7 +5838,7 @@
           <a:p>
             <a:fld id="{3ED14C0F-4EEA-4D67-9316-BFEE55D2085C}" type="datetime1">
               <a:rPr lang="fr-FR" smtClean="0"/>
-              <a:t>20/08/2022</a:t>
+              <a:t>22/08/2022</a:t>
             </a:fld>
             <a:endParaRPr lang="fr-FR"/>
           </a:p>
@@ -6084,7 +6091,7 @@
           <a:p>
             <a:fld id="{F69CF853-2CB0-481C-B06F-540824D49C51}" type="datetime1">
               <a:rPr lang="fr-FR" smtClean="0"/>
-              <a:t>20/08/2022</a:t>
+              <a:t>22/08/2022</a:t>
             </a:fld>
             <a:endParaRPr lang="fr-FR"/>
           </a:p>
@@ -7151,7 +7158,12 @@
             <p:ph type="title"/>
           </p:nvPr>
         </p:nvSpPr>
-        <p:spPr/>
+        <p:spPr>
+          <a:xfrm>
+            <a:off x="913775" y="65622"/>
+            <a:ext cx="10364451" cy="1596177"/>
+          </a:xfrm>
+        </p:spPr>
         <p:txBody>
           <a:bodyPr/>
           <a:lstStyle/>
@@ -7249,6 +7261,396 @@
     <p:extLst>
       <p:ext uri="{BB962C8B-B14F-4D97-AF65-F5344CB8AC3E}">
         <p14:creationId xmlns:p14="http://schemas.microsoft.com/office/powerpoint/2010/main" val="3926772007"/>
+      </p:ext>
+    </p:extLst>
+  </p:cSld>
+  <p:clrMapOvr>
+    <a:masterClrMapping/>
+  </p:clrMapOvr>
+</p:sld>
+</file>
+
+<file path=ppt/slides/slide5.xml><?xml version="1.0" encoding="utf-8"?>
+<p:sld xmlns:a="http://schemas.openxmlformats.org/drawingml/2006/main" xmlns:r="http://schemas.openxmlformats.org/officeDocument/2006/relationships" xmlns:p="http://schemas.openxmlformats.org/presentationml/2006/main">
+  <p:cSld>
+    <p:bg>
+      <p:bgPr>
+        <a:blipFill dpi="0" rotWithShape="1">
+          <a:blip r:embed="rId2">
+            <a:alphaModFix amt="82000"/>
+            <a:lum/>
+          </a:blip>
+          <a:srcRect/>
+          <a:stretch>
+            <a:fillRect l="-5000" r="-5000"/>
+          </a:stretch>
+        </a:blipFill>
+        <a:effectLst/>
+      </p:bgPr>
+    </p:bg>
+    <p:spTree>
+      <p:nvGrpSpPr>
+        <p:cNvPr id="1" name=""/>
+        <p:cNvGrpSpPr/>
+        <p:nvPr/>
+      </p:nvGrpSpPr>
+      <p:grpSpPr>
+        <a:xfrm>
+          <a:off x="0" y="0"/>
+          <a:ext cx="0" cy="0"/>
+          <a:chOff x="0" y="0"/>
+          <a:chExt cx="0" cy="0"/>
+        </a:xfrm>
+      </p:grpSpPr>
+      <p:sp>
+        <p:nvSpPr>
+          <p:cNvPr id="6" name="Espace réservé du numéro de diapositive 5">
+            <a:extLst>
+              <a:ext uri="{FF2B5EF4-FFF2-40B4-BE49-F238E27FC236}">
+                <a16:creationId xmlns:a16="http://schemas.microsoft.com/office/drawing/2014/main" id="{7B239361-FFC9-0557-2A8F-4843C8E7102D}"/>
+              </a:ext>
+            </a:extLst>
+          </p:cNvPr>
+          <p:cNvSpPr>
+            <a:spLocks noGrp="1"/>
+          </p:cNvSpPr>
+          <p:nvPr>
+            <p:ph type="sldNum" sz="quarter" idx="12"/>
+          </p:nvPr>
+        </p:nvSpPr>
+        <p:spPr/>
+        <p:txBody>
+          <a:bodyPr/>
+          <a:lstStyle/>
+          <a:p>
+            <a:fld id="{5034F0DF-B191-4447-9427-DAF5112282E9}" type="slidenum">
+              <a:rPr lang="fr-FR" smtClean="0"/>
+              <a:t>5</a:t>
+            </a:fld>
+            <a:endParaRPr lang="fr-FR"/>
+          </a:p>
+        </p:txBody>
+      </p:sp>
+      <p:sp>
+        <p:nvSpPr>
+          <p:cNvPr id="9" name="Titre 1">
+            <a:extLst>
+              <a:ext uri="{FF2B5EF4-FFF2-40B4-BE49-F238E27FC236}">
+                <a16:creationId xmlns:a16="http://schemas.microsoft.com/office/drawing/2014/main" id="{33542AD1-5C0D-A1D7-EAA3-2A50CB05EFA1}"/>
+              </a:ext>
+            </a:extLst>
+          </p:cNvPr>
+          <p:cNvSpPr txBox="1">
+            <a:spLocks/>
+          </p:cNvSpPr>
+          <p:nvPr/>
+        </p:nvSpPr>
+        <p:spPr>
+          <a:xfrm>
+            <a:off x="913775" y="65622"/>
+            <a:ext cx="10364451" cy="1596177"/>
+          </a:xfrm>
+          <a:prstGeom prst="rect">
+            <a:avLst/>
+          </a:prstGeom>
+        </p:spPr>
+        <p:txBody>
+          <a:bodyPr vert="horz" lIns="91440" tIns="45720" rIns="91440" bIns="45720" rtlCol="0" anchor="ctr">
+            <a:normAutofit/>
+          </a:bodyPr>
+          <a:lstStyle>
+            <a:lvl1pPr algn="ctr" defTabSz="914400" rtl="0" eaLnBrk="1" latinLnBrk="0" hangingPunct="1">
+              <a:lnSpc>
+                <a:spcPct val="90000"/>
+              </a:lnSpc>
+              <a:spcBef>
+                <a:spcPct val="0"/>
+              </a:spcBef>
+              <a:buNone/>
+              <a:defRPr sz="3600" kern="1200" cap="all" baseline="0">
+                <a:solidFill>
+                  <a:schemeClr val="tx1"/>
+                </a:solidFill>
+                <a:effectLst/>
+                <a:latin typeface="+mj-lt"/>
+                <a:ea typeface="+mj-ea"/>
+                <a:cs typeface="+mj-cs"/>
+              </a:defRPr>
+            </a:lvl1pPr>
+          </a:lstStyle>
+          <a:p>
+            <a:r>
+              <a:rPr lang="fr-FR">
+                <a:latin typeface="Century" panose="02040604050505020304" pitchFamily="18" charset="0"/>
+              </a:rPr>
+              <a:t>Analyse des résultats</a:t>
+            </a:r>
+            <a:endParaRPr lang="fr-FR" dirty="0">
+              <a:latin typeface="Century" panose="02040604050505020304" pitchFamily="18" charset="0"/>
+            </a:endParaRPr>
+          </a:p>
+        </p:txBody>
+      </p:sp>
+      <p:pic>
+        <p:nvPicPr>
+          <p:cNvPr id="11" name="Image 10">
+            <a:extLst>
+              <a:ext uri="{FF2B5EF4-FFF2-40B4-BE49-F238E27FC236}">
+                <a16:creationId xmlns:a16="http://schemas.microsoft.com/office/drawing/2014/main" id="{CEEFF96D-2BE6-47C3-2406-67795805A58C}"/>
+              </a:ext>
+            </a:extLst>
+          </p:cNvPr>
+          <p:cNvPicPr>
+            <a:picLocks noChangeAspect="1"/>
+          </p:cNvPicPr>
+          <p:nvPr/>
+        </p:nvPicPr>
+        <p:blipFill>
+          <a:blip r:embed="rId3">
+            <a:extLst>
+              <a:ext uri="{28A0092B-C50C-407E-A947-70E740481C1C}">
+                <a14:useLocalDpi xmlns:a14="http://schemas.microsoft.com/office/drawing/2010/main" val="0"/>
+              </a:ext>
+            </a:extLst>
+          </a:blip>
+          <a:stretch>
+            <a:fillRect/>
+          </a:stretch>
+        </p:blipFill>
+        <p:spPr>
+          <a:xfrm>
+            <a:off x="238509" y="1172730"/>
+            <a:ext cx="3142494" cy="5518526"/>
+          </a:xfrm>
+          <a:prstGeom prst="rect">
+            <a:avLst/>
+          </a:prstGeom>
+        </p:spPr>
+      </p:pic>
+      <p:pic>
+        <p:nvPicPr>
+          <p:cNvPr id="13" name="Image 12">
+            <a:extLst>
+              <a:ext uri="{FF2B5EF4-FFF2-40B4-BE49-F238E27FC236}">
+                <a16:creationId xmlns:a16="http://schemas.microsoft.com/office/drawing/2014/main" id="{FFE06BFA-E5D4-6EF8-F3C6-C2D1D80D0826}"/>
+              </a:ext>
+            </a:extLst>
+          </p:cNvPr>
+          <p:cNvPicPr>
+            <a:picLocks noChangeAspect="1"/>
+          </p:cNvPicPr>
+          <p:nvPr/>
+        </p:nvPicPr>
+        <p:blipFill>
+          <a:blip r:embed="rId4">
+            <a:extLst>
+              <a:ext uri="{28A0092B-C50C-407E-A947-70E740481C1C}">
+                <a14:useLocalDpi xmlns:a14="http://schemas.microsoft.com/office/drawing/2010/main" val="0"/>
+              </a:ext>
+            </a:extLst>
+          </a:blip>
+          <a:stretch>
+            <a:fillRect/>
+          </a:stretch>
+        </p:blipFill>
+        <p:spPr>
+          <a:xfrm>
+            <a:off x="3875137" y="1172727"/>
+            <a:ext cx="3701910" cy="5445516"/>
+          </a:xfrm>
+          <a:prstGeom prst="rect">
+            <a:avLst/>
+          </a:prstGeom>
+        </p:spPr>
+      </p:pic>
+      <p:pic>
+        <p:nvPicPr>
+          <p:cNvPr id="15" name="Image 14">
+            <a:extLst>
+              <a:ext uri="{FF2B5EF4-FFF2-40B4-BE49-F238E27FC236}">
+                <a16:creationId xmlns:a16="http://schemas.microsoft.com/office/drawing/2014/main" id="{7E965220-BBC7-5140-4351-0E9EBD57BE92}"/>
+              </a:ext>
+            </a:extLst>
+          </p:cNvPr>
+          <p:cNvPicPr>
+            <a:picLocks noChangeAspect="1"/>
+          </p:cNvPicPr>
+          <p:nvPr/>
+        </p:nvPicPr>
+        <p:blipFill>
+          <a:blip r:embed="rId5">
+            <a:extLst>
+              <a:ext uri="{28A0092B-C50C-407E-A947-70E740481C1C}">
+                <a14:useLocalDpi xmlns:a14="http://schemas.microsoft.com/office/drawing/2010/main" val="0"/>
+              </a:ext>
+            </a:extLst>
+          </a:blip>
+          <a:stretch>
+            <a:fillRect/>
+          </a:stretch>
+        </p:blipFill>
+        <p:spPr>
+          <a:xfrm>
+            <a:off x="8168922" y="1172727"/>
+            <a:ext cx="3495525" cy="5518527"/>
+          </a:xfrm>
+          <a:prstGeom prst="rect">
+            <a:avLst/>
+          </a:prstGeom>
+        </p:spPr>
+      </p:pic>
+    </p:spTree>
+    <p:extLst>
+      <p:ext uri="{BB962C8B-B14F-4D97-AF65-F5344CB8AC3E}">
+        <p14:creationId xmlns:p14="http://schemas.microsoft.com/office/powerpoint/2010/main" val="4025056891"/>
+      </p:ext>
+    </p:extLst>
+  </p:cSld>
+  <p:clrMapOvr>
+    <a:masterClrMapping/>
+  </p:clrMapOvr>
+</p:sld>
+</file>
+
+<file path=ppt/slides/slide6.xml><?xml version="1.0" encoding="utf-8"?>
+<p:sld xmlns:a="http://schemas.openxmlformats.org/drawingml/2006/main" xmlns:r="http://schemas.openxmlformats.org/officeDocument/2006/relationships" xmlns:p="http://schemas.openxmlformats.org/presentationml/2006/main">
+  <p:cSld>
+    <p:spTree>
+      <p:nvGrpSpPr>
+        <p:cNvPr id="1" name=""/>
+        <p:cNvGrpSpPr/>
+        <p:nvPr/>
+      </p:nvGrpSpPr>
+      <p:grpSpPr>
+        <a:xfrm>
+          <a:off x="0" y="0"/>
+          <a:ext cx="0" cy="0"/>
+          <a:chOff x="0" y="0"/>
+          <a:chExt cx="0" cy="0"/>
+        </a:xfrm>
+      </p:grpSpPr>
+      <p:sp>
+        <p:nvSpPr>
+          <p:cNvPr id="2" name="Titre 1">
+            <a:extLst>
+              <a:ext uri="{FF2B5EF4-FFF2-40B4-BE49-F238E27FC236}">
+                <a16:creationId xmlns:a16="http://schemas.microsoft.com/office/drawing/2014/main" id="{F0B8FED2-C783-BCB2-2552-74394177693E}"/>
+              </a:ext>
+            </a:extLst>
+          </p:cNvPr>
+          <p:cNvSpPr>
+            <a:spLocks noGrp="1"/>
+          </p:cNvSpPr>
+          <p:nvPr>
+            <p:ph type="title"/>
+          </p:nvPr>
+        </p:nvSpPr>
+        <p:spPr>
+          <a:xfrm>
+            <a:off x="913775" y="65622"/>
+            <a:ext cx="10364451" cy="1596177"/>
+          </a:xfrm>
+        </p:spPr>
+        <p:txBody>
+          <a:bodyPr/>
+          <a:lstStyle/>
+          <a:p>
+            <a:r>
+              <a:rPr lang="fr-FR">
+                <a:latin typeface="Century" panose="02040604050505020304" pitchFamily="18" charset="0"/>
+              </a:rPr>
+              <a:t>fin</a:t>
+            </a:r>
+            <a:endParaRPr lang="fr-FR" dirty="0">
+              <a:latin typeface="Century" panose="02040604050505020304" pitchFamily="18" charset="0"/>
+            </a:endParaRPr>
+          </a:p>
+        </p:txBody>
+      </p:sp>
+      <p:pic>
+        <p:nvPicPr>
+          <p:cNvPr id="5" name="Espace réservé du contenu 4">
+            <a:extLst>
+              <a:ext uri="{FF2B5EF4-FFF2-40B4-BE49-F238E27FC236}">
+                <a16:creationId xmlns:a16="http://schemas.microsoft.com/office/drawing/2014/main" id="{33110D35-B4A5-E5FF-C09D-AA9026C67048}"/>
+              </a:ext>
+            </a:extLst>
+          </p:cNvPr>
+          <p:cNvPicPr>
+            <a:picLocks noGrp="1" noChangeAspect="1"/>
+          </p:cNvPicPr>
+          <p:nvPr>
+            <p:ph sz="quarter" idx="13"/>
+          </p:nvPr>
+        </p:nvPicPr>
+        <p:blipFill>
+          <a:blip r:embed="rId2">
+            <a:extLst>
+              <a:ext uri="{28A0092B-C50C-407E-A947-70E740481C1C}">
+                <a14:useLocalDpi xmlns:a14="http://schemas.microsoft.com/office/drawing/2010/main" val="0"/>
+              </a:ext>
+            </a:extLst>
+          </a:blip>
+          <a:stretch>
+            <a:fillRect/>
+          </a:stretch>
+        </p:blipFill>
+        <p:spPr>
+          <a:xfrm>
+            <a:off x="2502605" y="2129632"/>
+            <a:ext cx="7186789" cy="3675743"/>
+          </a:xfrm>
+          <a:prstGeom prst="roundRect">
+            <a:avLst>
+              <a:gd name="adj" fmla="val 8594"/>
+            </a:avLst>
+          </a:prstGeom>
+          <a:solidFill>
+            <a:srgbClr val="FFFFFF">
+              <a:shade val="85000"/>
+            </a:srgbClr>
+          </a:solidFill>
+          <a:ln>
+            <a:noFill/>
+          </a:ln>
+          <a:effectLst>
+            <a:reflection blurRad="12700" stA="38000" endPos="28000" dist="5000" dir="5400000" sy="-100000" algn="bl" rotWithShape="0"/>
+          </a:effectLst>
+        </p:spPr>
+      </p:pic>
+      <p:sp>
+        <p:nvSpPr>
+          <p:cNvPr id="6" name="Espace réservé du numéro de diapositive 5">
+            <a:extLst>
+              <a:ext uri="{FF2B5EF4-FFF2-40B4-BE49-F238E27FC236}">
+                <a16:creationId xmlns:a16="http://schemas.microsoft.com/office/drawing/2014/main" id="{7B239361-FFC9-0557-2A8F-4843C8E7102D}"/>
+              </a:ext>
+            </a:extLst>
+          </p:cNvPr>
+          <p:cNvSpPr>
+            <a:spLocks noGrp="1"/>
+          </p:cNvSpPr>
+          <p:nvPr>
+            <p:ph type="sldNum" sz="quarter" idx="12"/>
+          </p:nvPr>
+        </p:nvSpPr>
+        <p:spPr/>
+        <p:txBody>
+          <a:bodyPr/>
+          <a:lstStyle/>
+          <a:p>
+            <a:fld id="{5034F0DF-B191-4447-9427-DAF5112282E9}" type="slidenum">
+              <a:rPr lang="fr-FR" smtClean="0"/>
+              <a:t>6</a:t>
+            </a:fld>
+            <a:endParaRPr lang="fr-FR"/>
+          </a:p>
+        </p:txBody>
+      </p:sp>
+    </p:spTree>
+    <p:extLst>
+      <p:ext uri="{BB962C8B-B14F-4D97-AF65-F5344CB8AC3E}">
+        <p14:creationId xmlns:p14="http://schemas.microsoft.com/office/powerpoint/2010/main" val="3982143345"/>
       </p:ext>
     </p:extLst>
   </p:cSld>
